--- a/source/pages/assets/images/source/DEQM Resource Diagram.pptx
+++ b/source/pages/assets/images/source/DEQM Resource Diagram.pptx
@@ -105,6 +105,22 @@
       </a:defRPr>
     </a:lvl9pPr>
   </p:defaultTextStyle>
+  <p:extLst>
+    <p:ext uri="{EFAFB233-063F-42B5-8137-9DF3F51BA10A}">
+      <p15:sldGuideLst xmlns:p15="http://schemas.microsoft.com/office/powerpoint/2012/main">
+        <p15:guide id="1" orient="horz" pos="2160">
+          <p15:clr>
+            <a:srgbClr val="A4A3A4"/>
+          </p15:clr>
+        </p15:guide>
+        <p15:guide id="2" pos="2880">
+          <p15:clr>
+            <a:srgbClr val="A4A3A4"/>
+          </p15:clr>
+        </p15:guide>
+      </p15:sldGuideLst>
+    </p:ext>
+  </p:extLst>
 </p:presentation>
 </file>
 
@@ -146,10 +162,9 @@
           <a:lstStyle/>
           <a:p>
             <a:r>
-              <a:rPr lang="en-US" smtClean="0"/>
+              <a:rPr lang="en-US"/>
               <a:t>Click to edit Master title style</a:t>
             </a:r>
-            <a:endParaRPr lang="en-US"/>
           </a:p>
         </p:txBody>
       </p:sp>
@@ -265,10 +280,9 @@
           </a:lstStyle>
           <a:p>
             <a:r>
-              <a:rPr lang="en-US" smtClean="0"/>
+              <a:rPr lang="en-US"/>
               <a:t>Click to edit Master subtitle style</a:t>
             </a:r>
-            <a:endParaRPr lang="en-US"/>
           </a:p>
         </p:txBody>
       </p:sp>
@@ -289,7 +303,7 @@
           <a:p>
             <a:fld id="{7D2F21E0-95B6-4C5C-A55D-C5056E4C25C4}" type="datetimeFigureOut">
               <a:rPr lang="en-US" smtClean="0"/>
-              <a:t>2/26/2019</a:t>
+              <a:t>6/14/20</a:t>
             </a:fld>
             <a:endParaRPr lang="en-US"/>
           </a:p>
@@ -383,10 +397,9 @@
           <a:lstStyle/>
           <a:p>
             <a:r>
-              <a:rPr lang="en-US" smtClean="0"/>
+              <a:rPr lang="en-US"/>
               <a:t>Click to edit Master title style</a:t>
             </a:r>
-            <a:endParaRPr lang="en-US"/>
           </a:p>
         </p:txBody>
       </p:sp>
@@ -407,38 +420,37 @@
           <a:p>
             <a:pPr lvl="0"/>
             <a:r>
-              <a:rPr lang="en-US" smtClean="0"/>
+              <a:rPr lang="en-US"/>
               <a:t>Click to edit Master text styles</a:t>
             </a:r>
           </a:p>
           <a:p>
             <a:pPr lvl="1"/>
             <a:r>
-              <a:rPr lang="en-US" smtClean="0"/>
+              <a:rPr lang="en-US"/>
               <a:t>Second level</a:t>
             </a:r>
           </a:p>
           <a:p>
             <a:pPr lvl="2"/>
             <a:r>
-              <a:rPr lang="en-US" smtClean="0"/>
+              <a:rPr lang="en-US"/>
               <a:t>Third level</a:t>
             </a:r>
           </a:p>
           <a:p>
             <a:pPr lvl="3"/>
             <a:r>
-              <a:rPr lang="en-US" smtClean="0"/>
+              <a:rPr lang="en-US"/>
               <a:t>Fourth level</a:t>
             </a:r>
           </a:p>
           <a:p>
             <a:pPr lvl="4"/>
             <a:r>
-              <a:rPr lang="en-US" smtClean="0"/>
+              <a:rPr lang="en-US"/>
               <a:t>Fifth level</a:t>
             </a:r>
-            <a:endParaRPr lang="en-US"/>
           </a:p>
         </p:txBody>
       </p:sp>
@@ -459,7 +471,7 @@
           <a:p>
             <a:fld id="{7D2F21E0-95B6-4C5C-A55D-C5056E4C25C4}" type="datetimeFigureOut">
               <a:rPr lang="en-US" smtClean="0"/>
-              <a:t>2/26/2019</a:t>
+              <a:t>6/14/20</a:t>
             </a:fld>
             <a:endParaRPr lang="en-US"/>
           </a:p>
@@ -558,10 +570,9 @@
           <a:lstStyle/>
           <a:p>
             <a:r>
-              <a:rPr lang="en-US" smtClean="0"/>
+              <a:rPr lang="en-US"/>
               <a:t>Click to edit Master title style</a:t>
             </a:r>
-            <a:endParaRPr lang="en-US"/>
           </a:p>
         </p:txBody>
       </p:sp>
@@ -587,38 +598,37 @@
           <a:p>
             <a:pPr lvl="0"/>
             <a:r>
-              <a:rPr lang="en-US" smtClean="0"/>
+              <a:rPr lang="en-US"/>
               <a:t>Click to edit Master text styles</a:t>
             </a:r>
           </a:p>
           <a:p>
             <a:pPr lvl="1"/>
             <a:r>
-              <a:rPr lang="en-US" smtClean="0"/>
+              <a:rPr lang="en-US"/>
               <a:t>Second level</a:t>
             </a:r>
           </a:p>
           <a:p>
             <a:pPr lvl="2"/>
             <a:r>
-              <a:rPr lang="en-US" smtClean="0"/>
+              <a:rPr lang="en-US"/>
               <a:t>Third level</a:t>
             </a:r>
           </a:p>
           <a:p>
             <a:pPr lvl="3"/>
             <a:r>
-              <a:rPr lang="en-US" smtClean="0"/>
+              <a:rPr lang="en-US"/>
               <a:t>Fourth level</a:t>
             </a:r>
           </a:p>
           <a:p>
             <a:pPr lvl="4"/>
             <a:r>
-              <a:rPr lang="en-US" smtClean="0"/>
+              <a:rPr lang="en-US"/>
               <a:t>Fifth level</a:t>
             </a:r>
-            <a:endParaRPr lang="en-US"/>
           </a:p>
         </p:txBody>
       </p:sp>
@@ -639,7 +649,7 @@
           <a:p>
             <a:fld id="{7D2F21E0-95B6-4C5C-A55D-C5056E4C25C4}" type="datetimeFigureOut">
               <a:rPr lang="en-US" smtClean="0"/>
-              <a:t>2/26/2019</a:t>
+              <a:t>6/14/20</a:t>
             </a:fld>
             <a:endParaRPr lang="en-US"/>
           </a:p>
@@ -733,10 +743,9 @@
           <a:lstStyle/>
           <a:p>
             <a:r>
-              <a:rPr lang="en-US" smtClean="0"/>
+              <a:rPr lang="en-US"/>
               <a:t>Click to edit Master title style</a:t>
             </a:r>
-            <a:endParaRPr lang="en-US"/>
           </a:p>
         </p:txBody>
       </p:sp>
@@ -757,38 +766,37 @@
           <a:p>
             <a:pPr lvl="0"/>
             <a:r>
-              <a:rPr lang="en-US" smtClean="0"/>
+              <a:rPr lang="en-US"/>
               <a:t>Click to edit Master text styles</a:t>
             </a:r>
           </a:p>
           <a:p>
             <a:pPr lvl="1"/>
             <a:r>
-              <a:rPr lang="en-US" smtClean="0"/>
+              <a:rPr lang="en-US"/>
               <a:t>Second level</a:t>
             </a:r>
           </a:p>
           <a:p>
             <a:pPr lvl="2"/>
             <a:r>
-              <a:rPr lang="en-US" smtClean="0"/>
+              <a:rPr lang="en-US"/>
               <a:t>Third level</a:t>
             </a:r>
           </a:p>
           <a:p>
             <a:pPr lvl="3"/>
             <a:r>
-              <a:rPr lang="en-US" smtClean="0"/>
+              <a:rPr lang="en-US"/>
               <a:t>Fourth level</a:t>
             </a:r>
           </a:p>
           <a:p>
             <a:pPr lvl="4"/>
             <a:r>
-              <a:rPr lang="en-US" smtClean="0"/>
+              <a:rPr lang="en-US"/>
               <a:t>Fifth level</a:t>
             </a:r>
-            <a:endParaRPr lang="en-US"/>
           </a:p>
         </p:txBody>
       </p:sp>
@@ -809,7 +817,7 @@
           <a:p>
             <a:fld id="{7D2F21E0-95B6-4C5C-A55D-C5056E4C25C4}" type="datetimeFigureOut">
               <a:rPr lang="en-US" smtClean="0"/>
-              <a:t>2/26/2019</a:t>
+              <a:t>6/14/20</a:t>
             </a:fld>
             <a:endParaRPr lang="en-US"/>
           </a:p>
@@ -912,10 +920,9 @@
           </a:lstStyle>
           <a:p>
             <a:r>
-              <a:rPr lang="en-US" smtClean="0"/>
+              <a:rPr lang="en-US"/>
               <a:t>Click to edit Master title style</a:t>
             </a:r>
-            <a:endParaRPr lang="en-US"/>
           </a:p>
         </p:txBody>
       </p:sp>
@@ -1032,7 +1039,7 @@
           <a:p>
             <a:pPr lvl="0"/>
             <a:r>
-              <a:rPr lang="en-US" smtClean="0"/>
+              <a:rPr lang="en-US"/>
               <a:t>Click to edit Master text styles</a:t>
             </a:r>
           </a:p>
@@ -1055,7 +1062,7 @@
           <a:p>
             <a:fld id="{7D2F21E0-95B6-4C5C-A55D-C5056E4C25C4}" type="datetimeFigureOut">
               <a:rPr lang="en-US" smtClean="0"/>
-              <a:t>2/26/2019</a:t>
+              <a:t>6/14/20</a:t>
             </a:fld>
             <a:endParaRPr lang="en-US"/>
           </a:p>
@@ -1149,10 +1156,9 @@
           <a:lstStyle/>
           <a:p>
             <a:r>
-              <a:rPr lang="en-US" smtClean="0"/>
+              <a:rPr lang="en-US"/>
               <a:t>Click to edit Master title style</a:t>
             </a:r>
-            <a:endParaRPr lang="en-US"/>
           </a:p>
         </p:txBody>
       </p:sp>
@@ -1206,38 +1212,37 @@
           <a:p>
             <a:pPr lvl="0"/>
             <a:r>
-              <a:rPr lang="en-US" smtClean="0"/>
+              <a:rPr lang="en-US"/>
               <a:t>Click to edit Master text styles</a:t>
             </a:r>
           </a:p>
           <a:p>
             <a:pPr lvl="1"/>
             <a:r>
-              <a:rPr lang="en-US" smtClean="0"/>
+              <a:rPr lang="en-US"/>
               <a:t>Second level</a:t>
             </a:r>
           </a:p>
           <a:p>
             <a:pPr lvl="2"/>
             <a:r>
-              <a:rPr lang="en-US" smtClean="0"/>
+              <a:rPr lang="en-US"/>
               <a:t>Third level</a:t>
             </a:r>
           </a:p>
           <a:p>
             <a:pPr lvl="3"/>
             <a:r>
-              <a:rPr lang="en-US" smtClean="0"/>
+              <a:rPr lang="en-US"/>
               <a:t>Fourth level</a:t>
             </a:r>
           </a:p>
           <a:p>
             <a:pPr lvl="4"/>
             <a:r>
-              <a:rPr lang="en-US" smtClean="0"/>
+              <a:rPr lang="en-US"/>
               <a:t>Fifth level</a:t>
             </a:r>
-            <a:endParaRPr lang="en-US"/>
           </a:p>
         </p:txBody>
       </p:sp>
@@ -1291,38 +1296,37 @@
           <a:p>
             <a:pPr lvl="0"/>
             <a:r>
-              <a:rPr lang="en-US" smtClean="0"/>
+              <a:rPr lang="en-US"/>
               <a:t>Click to edit Master text styles</a:t>
             </a:r>
           </a:p>
           <a:p>
             <a:pPr lvl="1"/>
             <a:r>
-              <a:rPr lang="en-US" smtClean="0"/>
+              <a:rPr lang="en-US"/>
               <a:t>Second level</a:t>
             </a:r>
           </a:p>
           <a:p>
             <a:pPr lvl="2"/>
             <a:r>
-              <a:rPr lang="en-US" smtClean="0"/>
+              <a:rPr lang="en-US"/>
               <a:t>Third level</a:t>
             </a:r>
           </a:p>
           <a:p>
             <a:pPr lvl="3"/>
             <a:r>
-              <a:rPr lang="en-US" smtClean="0"/>
+              <a:rPr lang="en-US"/>
               <a:t>Fourth level</a:t>
             </a:r>
           </a:p>
           <a:p>
             <a:pPr lvl="4"/>
             <a:r>
-              <a:rPr lang="en-US" smtClean="0"/>
+              <a:rPr lang="en-US"/>
               <a:t>Fifth level</a:t>
             </a:r>
-            <a:endParaRPr lang="en-US"/>
           </a:p>
         </p:txBody>
       </p:sp>
@@ -1343,7 +1347,7 @@
           <a:p>
             <a:fld id="{7D2F21E0-95B6-4C5C-A55D-C5056E4C25C4}" type="datetimeFigureOut">
               <a:rPr lang="en-US" smtClean="0"/>
-              <a:t>2/26/2019</a:t>
+              <a:t>6/14/20</a:t>
             </a:fld>
             <a:endParaRPr lang="en-US"/>
           </a:p>
@@ -1441,10 +1445,9 @@
           </a:lstStyle>
           <a:p>
             <a:r>
-              <a:rPr lang="en-US" smtClean="0"/>
+              <a:rPr lang="en-US"/>
               <a:t>Click to edit Master title style</a:t>
             </a:r>
-            <a:endParaRPr lang="en-US"/>
           </a:p>
         </p:txBody>
       </p:sp>
@@ -1507,7 +1510,7 @@
           <a:p>
             <a:pPr lvl="0"/>
             <a:r>
-              <a:rPr lang="en-US" smtClean="0"/>
+              <a:rPr lang="en-US"/>
               <a:t>Click to edit Master text styles</a:t>
             </a:r>
           </a:p>
@@ -1563,38 +1566,37 @@
           <a:p>
             <a:pPr lvl="0"/>
             <a:r>
-              <a:rPr lang="en-US" smtClean="0"/>
+              <a:rPr lang="en-US"/>
               <a:t>Click to edit Master text styles</a:t>
             </a:r>
           </a:p>
           <a:p>
             <a:pPr lvl="1"/>
             <a:r>
-              <a:rPr lang="en-US" smtClean="0"/>
+              <a:rPr lang="en-US"/>
               <a:t>Second level</a:t>
             </a:r>
           </a:p>
           <a:p>
             <a:pPr lvl="2"/>
             <a:r>
-              <a:rPr lang="en-US" smtClean="0"/>
+              <a:rPr lang="en-US"/>
               <a:t>Third level</a:t>
             </a:r>
           </a:p>
           <a:p>
             <a:pPr lvl="3"/>
             <a:r>
-              <a:rPr lang="en-US" smtClean="0"/>
+              <a:rPr lang="en-US"/>
               <a:t>Fourth level</a:t>
             </a:r>
           </a:p>
           <a:p>
             <a:pPr lvl="4"/>
             <a:r>
-              <a:rPr lang="en-US" smtClean="0"/>
+              <a:rPr lang="en-US"/>
               <a:t>Fifth level</a:t>
             </a:r>
-            <a:endParaRPr lang="en-US"/>
           </a:p>
         </p:txBody>
       </p:sp>
@@ -1657,7 +1659,7 @@
           <a:p>
             <a:pPr lvl="0"/>
             <a:r>
-              <a:rPr lang="en-US" smtClean="0"/>
+              <a:rPr lang="en-US"/>
               <a:t>Click to edit Master text styles</a:t>
             </a:r>
           </a:p>
@@ -1713,38 +1715,37 @@
           <a:p>
             <a:pPr lvl="0"/>
             <a:r>
-              <a:rPr lang="en-US" smtClean="0"/>
+              <a:rPr lang="en-US"/>
               <a:t>Click to edit Master text styles</a:t>
             </a:r>
           </a:p>
           <a:p>
             <a:pPr lvl="1"/>
             <a:r>
-              <a:rPr lang="en-US" smtClean="0"/>
+              <a:rPr lang="en-US"/>
               <a:t>Second level</a:t>
             </a:r>
           </a:p>
           <a:p>
             <a:pPr lvl="2"/>
             <a:r>
-              <a:rPr lang="en-US" smtClean="0"/>
+              <a:rPr lang="en-US"/>
               <a:t>Third level</a:t>
             </a:r>
           </a:p>
           <a:p>
             <a:pPr lvl="3"/>
             <a:r>
-              <a:rPr lang="en-US" smtClean="0"/>
+              <a:rPr lang="en-US"/>
               <a:t>Fourth level</a:t>
             </a:r>
           </a:p>
           <a:p>
             <a:pPr lvl="4"/>
             <a:r>
-              <a:rPr lang="en-US" smtClean="0"/>
+              <a:rPr lang="en-US"/>
               <a:t>Fifth level</a:t>
             </a:r>
-            <a:endParaRPr lang="en-US"/>
           </a:p>
         </p:txBody>
       </p:sp>
@@ -1765,7 +1766,7 @@
           <a:p>
             <a:fld id="{7D2F21E0-95B6-4C5C-A55D-C5056E4C25C4}" type="datetimeFigureOut">
               <a:rPr lang="en-US" smtClean="0"/>
-              <a:t>2/26/2019</a:t>
+              <a:t>6/14/20</a:t>
             </a:fld>
             <a:endParaRPr lang="en-US"/>
           </a:p>
@@ -1859,10 +1860,9 @@
           <a:lstStyle/>
           <a:p>
             <a:r>
-              <a:rPr lang="en-US" smtClean="0"/>
+              <a:rPr lang="en-US"/>
               <a:t>Click to edit Master title style</a:t>
             </a:r>
-            <a:endParaRPr lang="en-US"/>
           </a:p>
         </p:txBody>
       </p:sp>
@@ -1883,7 +1883,7 @@
           <a:p>
             <a:fld id="{7D2F21E0-95B6-4C5C-A55D-C5056E4C25C4}" type="datetimeFigureOut">
               <a:rPr lang="en-US" smtClean="0"/>
-              <a:t>2/26/2019</a:t>
+              <a:t>6/14/20</a:t>
             </a:fld>
             <a:endParaRPr lang="en-US"/>
           </a:p>
@@ -1978,7 +1978,7 @@
           <a:p>
             <a:fld id="{7D2F21E0-95B6-4C5C-A55D-C5056E4C25C4}" type="datetimeFigureOut">
               <a:rPr lang="en-US" smtClean="0"/>
-              <a:t>2/26/2019</a:t>
+              <a:t>6/14/20</a:t>
             </a:fld>
             <a:endParaRPr lang="en-US"/>
           </a:p>
@@ -2081,10 +2081,9 @@
           </a:lstStyle>
           <a:p>
             <a:r>
-              <a:rPr lang="en-US" smtClean="0"/>
+              <a:rPr lang="en-US"/>
               <a:t>Click to edit Master title style</a:t>
             </a:r>
-            <a:endParaRPr lang="en-US"/>
           </a:p>
         </p:txBody>
       </p:sp>
@@ -2138,38 +2137,37 @@
           <a:p>
             <a:pPr lvl="0"/>
             <a:r>
-              <a:rPr lang="en-US" smtClean="0"/>
+              <a:rPr lang="en-US"/>
               <a:t>Click to edit Master text styles</a:t>
             </a:r>
           </a:p>
           <a:p>
             <a:pPr lvl="1"/>
             <a:r>
-              <a:rPr lang="en-US" smtClean="0"/>
+              <a:rPr lang="en-US"/>
               <a:t>Second level</a:t>
             </a:r>
           </a:p>
           <a:p>
             <a:pPr lvl="2"/>
             <a:r>
-              <a:rPr lang="en-US" smtClean="0"/>
+              <a:rPr lang="en-US"/>
               <a:t>Third level</a:t>
             </a:r>
           </a:p>
           <a:p>
             <a:pPr lvl="3"/>
             <a:r>
-              <a:rPr lang="en-US" smtClean="0"/>
+              <a:rPr lang="en-US"/>
               <a:t>Fourth level</a:t>
             </a:r>
           </a:p>
           <a:p>
             <a:pPr lvl="4"/>
             <a:r>
-              <a:rPr lang="en-US" smtClean="0"/>
+              <a:rPr lang="en-US"/>
               <a:t>Fifth level</a:t>
             </a:r>
-            <a:endParaRPr lang="en-US"/>
           </a:p>
         </p:txBody>
       </p:sp>
@@ -2232,7 +2230,7 @@
           <a:p>
             <a:pPr lvl="0"/>
             <a:r>
-              <a:rPr lang="en-US" smtClean="0"/>
+              <a:rPr lang="en-US"/>
               <a:t>Click to edit Master text styles</a:t>
             </a:r>
           </a:p>
@@ -2255,7 +2253,7 @@
           <a:p>
             <a:fld id="{7D2F21E0-95B6-4C5C-A55D-C5056E4C25C4}" type="datetimeFigureOut">
               <a:rPr lang="en-US" smtClean="0"/>
-              <a:t>2/26/2019</a:t>
+              <a:t>6/14/20</a:t>
             </a:fld>
             <a:endParaRPr lang="en-US"/>
           </a:p>
@@ -2358,10 +2356,9 @@
           </a:lstStyle>
           <a:p>
             <a:r>
-              <a:rPr lang="en-US" smtClean="0"/>
+              <a:rPr lang="en-US"/>
               <a:t>Click to edit Master title style</a:t>
             </a:r>
-            <a:endParaRPr lang="en-US"/>
           </a:p>
         </p:txBody>
       </p:sp>
@@ -2485,7 +2482,7 @@
           <a:p>
             <a:pPr lvl="0"/>
             <a:r>
-              <a:rPr lang="en-US" smtClean="0"/>
+              <a:rPr lang="en-US"/>
               <a:t>Click to edit Master text styles</a:t>
             </a:r>
           </a:p>
@@ -2508,7 +2505,7 @@
           <a:p>
             <a:fld id="{7D2F21E0-95B6-4C5C-A55D-C5056E4C25C4}" type="datetimeFigureOut">
               <a:rPr lang="en-US" smtClean="0"/>
-              <a:t>2/26/2019</a:t>
+              <a:t>6/14/20</a:t>
             </a:fld>
             <a:endParaRPr lang="en-US"/>
           </a:p>
@@ -2617,10 +2614,9 @@
           <a:lstStyle/>
           <a:p>
             <a:r>
-              <a:rPr lang="en-US" smtClean="0"/>
+              <a:rPr lang="en-US"/>
               <a:t>Click to edit Master title style</a:t>
             </a:r>
-            <a:endParaRPr lang="en-US"/>
           </a:p>
         </p:txBody>
       </p:sp>
@@ -2651,38 +2647,37 @@
           <a:p>
             <a:pPr lvl="0"/>
             <a:r>
-              <a:rPr lang="en-US" smtClean="0"/>
+              <a:rPr lang="en-US"/>
               <a:t>Click to edit Master text styles</a:t>
             </a:r>
           </a:p>
           <a:p>
             <a:pPr lvl="1"/>
             <a:r>
-              <a:rPr lang="en-US" smtClean="0"/>
+              <a:rPr lang="en-US"/>
               <a:t>Second level</a:t>
             </a:r>
           </a:p>
           <a:p>
             <a:pPr lvl="2"/>
             <a:r>
-              <a:rPr lang="en-US" smtClean="0"/>
+              <a:rPr lang="en-US"/>
               <a:t>Third level</a:t>
             </a:r>
           </a:p>
           <a:p>
             <a:pPr lvl="3"/>
             <a:r>
-              <a:rPr lang="en-US" smtClean="0"/>
+              <a:rPr lang="en-US"/>
               <a:t>Fourth level</a:t>
             </a:r>
           </a:p>
           <a:p>
             <a:pPr lvl="4"/>
             <a:r>
-              <a:rPr lang="en-US" smtClean="0"/>
+              <a:rPr lang="en-US"/>
               <a:t>Fifth level</a:t>
             </a:r>
-            <a:endParaRPr lang="en-US"/>
           </a:p>
         </p:txBody>
       </p:sp>
@@ -2721,7 +2716,7 @@
           <a:p>
             <a:fld id="{7D2F21E0-95B6-4C5C-A55D-C5056E4C25C4}" type="datetimeFigureOut">
               <a:rPr lang="en-US" smtClean="0"/>
-              <a:t>2/26/2019</a:t>
+              <a:t>6/14/20</a:t>
             </a:fld>
             <a:endParaRPr lang="en-US"/>
           </a:p>
@@ -3166,29 +3161,6 @@
       </p:grpSpPr>
       <p:sp>
         <p:nvSpPr>
-          <p:cNvPr id="2" name="Title 1"/>
-          <p:cNvSpPr>
-            <a:spLocks noGrp="1"/>
-          </p:cNvSpPr>
-          <p:nvPr>
-            <p:ph type="title"/>
-          </p:nvPr>
-        </p:nvSpPr>
-        <p:spPr/>
-        <p:txBody>
-          <a:bodyPr/>
-          <a:lstStyle/>
-          <a:p>
-            <a:r>
-              <a:rPr lang="en-US" dirty="0" smtClean="0"/>
-              <a:t>Option 1</a:t>
-            </a:r>
-            <a:endParaRPr lang="en-US" dirty="0"/>
-          </a:p>
-        </p:txBody>
-      </p:sp>
-      <p:sp>
-        <p:nvSpPr>
           <p:cNvPr id="3" name="Content Placeholder 2"/>
           <p:cNvSpPr>
             <a:spLocks noGrp="1"/>
@@ -3206,10 +3178,9 @@
               <a:buNone/>
             </a:pPr>
             <a:r>
-              <a:rPr lang="en-US" dirty="0" smtClean="0"/>
+              <a:rPr lang="en-US" dirty="0"/>
               <a:t>  </a:t>
             </a:r>
-            <a:endParaRPr lang="en-US" dirty="0"/>
           </a:p>
         </p:txBody>
       </p:sp>
@@ -3221,7 +3192,7 @@
         </p:nvSpPr>
         <p:spPr>
           <a:xfrm>
-            <a:off x="762000" y="1447800"/>
+            <a:off x="1676400" y="1524000"/>
             <a:ext cx="1524000" cy="609600"/>
           </a:xfrm>
           <a:prstGeom prst="flowChartAlternateProcess">
@@ -3255,18 +3226,13 @@
           <a:p>
             <a:pPr algn="ctr"/>
             <a:r>
-              <a:rPr lang="en-US" sz="1400" dirty="0" smtClean="0">
+              <a:rPr lang="en-US" sz="1400" dirty="0">
                 <a:solidFill>
                   <a:schemeClr val="bg1"/>
                 </a:solidFill>
               </a:rPr>
               <a:t>Measure</a:t>
             </a:r>
-            <a:endParaRPr lang="en-US" sz="1400" dirty="0">
-              <a:solidFill>
-                <a:schemeClr val="bg1"/>
-              </a:solidFill>
-            </a:endParaRPr>
           </a:p>
         </p:txBody>
       </p:sp>
@@ -3278,7 +3244,7 @@
         </p:nvSpPr>
         <p:spPr>
           <a:xfrm>
-            <a:off x="762000" y="3060970"/>
+            <a:off x="1676400" y="3137170"/>
             <a:ext cx="1524000" cy="609600"/>
           </a:xfrm>
           <a:prstGeom prst="flowChartAlternateProcess">
@@ -3312,18 +3278,13 @@
           <a:p>
             <a:pPr algn="ctr"/>
             <a:r>
-              <a:rPr lang="en-US" sz="1400" dirty="0" smtClean="0">
+              <a:rPr lang="en-US" sz="1400" dirty="0">
                 <a:solidFill>
                   <a:schemeClr val="bg1"/>
                 </a:solidFill>
               </a:rPr>
               <a:t>MeasureReport</a:t>
             </a:r>
-            <a:endParaRPr lang="en-US" sz="1400" dirty="0">
-              <a:solidFill>
-                <a:schemeClr val="bg1"/>
-              </a:solidFill>
-            </a:endParaRPr>
           </a:p>
         </p:txBody>
       </p:sp>
@@ -3335,7 +3296,7 @@
         </p:nvSpPr>
         <p:spPr>
           <a:xfrm>
-            <a:off x="762000" y="4572000"/>
+            <a:off x="1676400" y="4648200"/>
             <a:ext cx="1524000" cy="609600"/>
           </a:xfrm>
           <a:prstGeom prst="flowChartAlternateProcess">
@@ -3369,18 +3330,13 @@
           <a:p>
             <a:pPr algn="ctr"/>
             <a:r>
-              <a:rPr lang="en-US" sz="1400" dirty="0" smtClean="0">
+              <a:rPr lang="en-US" sz="1400" dirty="0">
                 <a:solidFill>
                   <a:schemeClr val="bg1"/>
                 </a:solidFill>
               </a:rPr>
               <a:t>Any Resources</a:t>
             </a:r>
-            <a:endParaRPr lang="en-US" sz="1400" dirty="0">
-              <a:solidFill>
-                <a:schemeClr val="bg1"/>
-              </a:solidFill>
-            </a:endParaRPr>
           </a:p>
         </p:txBody>
       </p:sp>
@@ -3392,7 +3348,7 @@
         </p:nvSpPr>
         <p:spPr>
           <a:xfrm>
-            <a:off x="1066800" y="4850858"/>
+            <a:off x="1981200" y="4927058"/>
             <a:ext cx="1524000" cy="609600"/>
           </a:xfrm>
           <a:prstGeom prst="flowChartAlternateProcess">
@@ -3426,18 +3382,13 @@
           <a:p>
             <a:pPr algn="ctr"/>
             <a:r>
-              <a:rPr lang="en-US" sz="1400" dirty="0" smtClean="0">
+              <a:rPr lang="en-US" sz="1400" dirty="0">
                 <a:solidFill>
                   <a:schemeClr val="bg1"/>
                 </a:solidFill>
               </a:rPr>
               <a:t>Any Resources</a:t>
             </a:r>
-            <a:endParaRPr lang="en-US" sz="1400" dirty="0">
-              <a:solidFill>
-                <a:schemeClr val="bg1"/>
-              </a:solidFill>
-            </a:endParaRPr>
           </a:p>
         </p:txBody>
       </p:sp>
@@ -3449,7 +3400,7 @@
         </p:nvSpPr>
         <p:spPr>
           <a:xfrm>
-            <a:off x="1562100" y="5029200"/>
+            <a:off x="2476500" y="5105400"/>
             <a:ext cx="1524000" cy="609600"/>
           </a:xfrm>
           <a:prstGeom prst="flowChartAlternateProcess">
@@ -3483,18 +3434,13 @@
           <a:p>
             <a:pPr algn="ctr"/>
             <a:r>
-              <a:rPr lang="en-US" sz="1400" dirty="0" smtClean="0">
+              <a:rPr lang="en-US" sz="1400" dirty="0">
                 <a:solidFill>
                   <a:schemeClr val="bg1"/>
                 </a:solidFill>
               </a:rPr>
               <a:t>Any Resource</a:t>
             </a:r>
-            <a:endParaRPr lang="en-US" sz="1400" dirty="0">
-              <a:solidFill>
-                <a:schemeClr val="bg1"/>
-              </a:solidFill>
-            </a:endParaRPr>
           </a:p>
         </p:txBody>
       </p:sp>
@@ -3506,7 +3452,7 @@
         </p:nvSpPr>
         <p:spPr>
           <a:xfrm>
-            <a:off x="5029200" y="1905000"/>
+            <a:off x="5943600" y="1981200"/>
             <a:ext cx="1524000" cy="609600"/>
           </a:xfrm>
           <a:prstGeom prst="flowChartAlternateProcess">
@@ -3540,18 +3486,13 @@
           <a:p>
             <a:pPr algn="ctr"/>
             <a:r>
-              <a:rPr lang="en-US" sz="1400" dirty="0" smtClean="0">
+              <a:rPr lang="en-US" sz="1400" dirty="0">
                 <a:solidFill>
                   <a:schemeClr val="bg1"/>
                 </a:solidFill>
               </a:rPr>
               <a:t>Organization</a:t>
             </a:r>
-            <a:endParaRPr lang="en-US" sz="1400" dirty="0">
-              <a:solidFill>
-                <a:schemeClr val="bg1"/>
-              </a:solidFill>
-            </a:endParaRPr>
           </a:p>
         </p:txBody>
       </p:sp>
@@ -3563,7 +3504,7 @@
         </p:nvSpPr>
         <p:spPr>
           <a:xfrm>
-            <a:off x="5029200" y="3859634"/>
+            <a:off x="5943600" y="3935834"/>
             <a:ext cx="1524000" cy="609600"/>
           </a:xfrm>
           <a:prstGeom prst="flowChartAlternateProcess">
@@ -3597,18 +3538,13 @@
           <a:p>
             <a:pPr algn="ctr"/>
             <a:r>
-              <a:rPr lang="en-US" sz="1400" dirty="0" smtClean="0">
+              <a:rPr lang="en-US" sz="1400" dirty="0">
                 <a:solidFill>
                   <a:schemeClr val="bg1"/>
                 </a:solidFill>
               </a:rPr>
               <a:t>Patient</a:t>
             </a:r>
-            <a:endParaRPr lang="en-US" sz="1400" dirty="0">
-              <a:solidFill>
-                <a:schemeClr val="bg1"/>
-              </a:solidFill>
-            </a:endParaRPr>
           </a:p>
         </p:txBody>
       </p:sp>
@@ -3623,7 +3559,7 @@
         </p:nvCxnSpPr>
         <p:spPr>
           <a:xfrm flipV="1">
-            <a:off x="1524000" y="2057400"/>
+            <a:off x="2438400" y="2133600"/>
             <a:ext cx="0" cy="1003570"/>
           </a:xfrm>
           <a:prstGeom prst="straightConnector1">
@@ -3659,7 +3595,7 @@
         </p:nvCxnSpPr>
         <p:spPr>
           <a:xfrm>
-            <a:off x="1540213" y="3578157"/>
+            <a:off x="2454613" y="3654357"/>
             <a:ext cx="0" cy="993843"/>
           </a:xfrm>
           <a:prstGeom prst="straightConnector1">
@@ -3695,7 +3631,7 @@
         </p:nvSpPr>
         <p:spPr>
           <a:xfrm>
-            <a:off x="990600" y="2590800"/>
+            <a:off x="1905000" y="2667000"/>
             <a:ext cx="1143000" cy="261610"/>
           </a:xfrm>
           <a:prstGeom prst="rect">
@@ -3714,13 +3650,8 @@
             <a:pPr algn="ctr"/>
             <a:r>
               <a:rPr lang="en-US" sz="1100" b="1" dirty="0"/>
-              <a:t>m</a:t>
-            </a:r>
-            <a:r>
-              <a:rPr lang="en-US" sz="1100" b="1" dirty="0" smtClean="0"/>
-              <a:t>easure</a:t>
-            </a:r>
-            <a:endParaRPr lang="en-US" sz="1100" b="1" dirty="0"/>
+              <a:t>measure</a:t>
+            </a:r>
           </a:p>
         </p:txBody>
       </p:sp>
@@ -3734,7 +3665,7 @@
         </p:nvCxnSpPr>
         <p:spPr>
           <a:xfrm flipV="1">
-            <a:off x="2286000" y="2209800"/>
+            <a:off x="3200400" y="2286000"/>
             <a:ext cx="2743200" cy="1148448"/>
           </a:xfrm>
           <a:prstGeom prst="straightConnector1">
@@ -3773,7 +3704,7 @@
         </p:nvCxnSpPr>
         <p:spPr>
           <a:xfrm>
-            <a:off x="2286000" y="3365770"/>
+            <a:off x="3200400" y="3441970"/>
             <a:ext cx="2743200" cy="798664"/>
           </a:xfrm>
           <a:prstGeom prst="straightConnector1">
@@ -3809,7 +3740,7 @@
         </p:nvSpPr>
         <p:spPr>
           <a:xfrm>
-            <a:off x="3124200" y="2559185"/>
+            <a:off x="4038600" y="2635385"/>
             <a:ext cx="1676400" cy="261610"/>
           </a:xfrm>
           <a:prstGeom prst="rect">
@@ -3827,10 +3758,9 @@
           <a:p>
             <a:pPr algn="ctr"/>
             <a:r>
-              <a:rPr lang="en-US" sz="1100" b="1" dirty="0" smtClean="0"/>
-              <a:t>supportingOrganization</a:t>
-            </a:r>
-            <a:endParaRPr lang="en-US" sz="1100" b="1" dirty="0"/>
+              <a:rPr lang="en-US" sz="1100" b="1" dirty="0"/>
+              <a:t>reporter</a:t>
+            </a:r>
           </a:p>
         </p:txBody>
       </p:sp>
@@ -3842,7 +3772,7 @@
         </p:nvSpPr>
         <p:spPr>
           <a:xfrm>
-            <a:off x="721063" y="3944273"/>
+            <a:off x="1635463" y="4020473"/>
             <a:ext cx="1638300" cy="261610"/>
           </a:xfrm>
           <a:prstGeom prst="rect">
@@ -3860,8 +3790,8 @@
           <a:p>
             <a:pPr algn="ctr"/>
             <a:r>
-              <a:rPr lang="en-US" sz="1100" b="1" dirty="0" smtClean="0"/>
-              <a:t>evaluatedResources</a:t>
+              <a:rPr lang="en-US" sz="1100" b="1" dirty="0" err="1"/>
+              <a:t>evaluatedResource</a:t>
             </a:r>
             <a:endParaRPr lang="en-US" sz="1100" b="1" dirty="0"/>
           </a:p>
@@ -3875,7 +3805,7 @@
         </p:nvSpPr>
         <p:spPr>
           <a:xfrm>
-            <a:off x="3186619" y="3651612"/>
+            <a:off x="4101019" y="3727812"/>
             <a:ext cx="1143000" cy="261610"/>
           </a:xfrm>
           <a:prstGeom prst="rect">
@@ -3894,13 +3824,8 @@
             <a:pPr algn="ctr"/>
             <a:r>
               <a:rPr lang="en-US" sz="1100" b="1" dirty="0"/>
-              <a:t>p</a:t>
-            </a:r>
-            <a:r>
-              <a:rPr lang="en-US" sz="1100" b="1" dirty="0" smtClean="0"/>
-              <a:t>atient</a:t>
-            </a:r>
-            <a:endParaRPr lang="en-US" sz="1100" b="1" dirty="0"/>
+              <a:t>patient</a:t>
+            </a:r>
           </a:p>
         </p:txBody>
       </p:sp>
